--- a/SUNU.pptx
+++ b/SUNU.pptx
@@ -23,6 +23,7 @@
     <p:sldId id="279" r:id="rId17"/>
     <p:sldId id="270" r:id="rId18"/>
     <p:sldId id="271" r:id="rId19"/>
+    <p:sldId id="280" r:id="rId20"/>
   </p:sldIdLst>
   <p:sldSz cx="12192000" cy="6858000"/>
   <p:notesSz cx="6858000" cy="9144000"/>
@@ -10900,7 +10901,7 @@
           <a:p>
             <a:fld id="{C5227F81-A253-A34E-870A-82698615EEFE}" type="datetimeFigureOut">
               <a:rPr lang="tr-TR" smtClean="0"/>
-              <a:t>13.09.2024</a:t>
+              <a:t>14.09.2024</a:t>
             </a:fld>
             <a:endParaRPr lang="tr-TR"/>
           </a:p>
@@ -11100,7 +11101,7 @@
           <a:p>
             <a:fld id="{C5227F81-A253-A34E-870A-82698615EEFE}" type="datetimeFigureOut">
               <a:rPr lang="tr-TR" smtClean="0"/>
-              <a:t>13.09.2024</a:t>
+              <a:t>14.09.2024</a:t>
             </a:fld>
             <a:endParaRPr lang="tr-TR"/>
           </a:p>
@@ -11310,7 +11311,7 @@
           <a:p>
             <a:fld id="{C5227F81-A253-A34E-870A-82698615EEFE}" type="datetimeFigureOut">
               <a:rPr lang="tr-TR" smtClean="0"/>
-              <a:t>13.09.2024</a:t>
+              <a:t>14.09.2024</a:t>
             </a:fld>
             <a:endParaRPr lang="tr-TR"/>
           </a:p>
@@ -11563,7 +11564,7 @@
             <a:fld id="{1D8BD707-D9CF-40AE-B4C6-C98DA3205C09}" type="datetimeFigureOut">
               <a:rPr lang="en-US" smtClean="0"/>
               <a:pPr/>
-              <a:t>9/13/24</a:t>
+              <a:t>9/14/24</a:t>
             </a:fld>
             <a:endParaRPr lang="en-US"/>
           </a:p>
@@ -11733,7 +11734,7 @@
             <a:fld id="{1D8BD707-D9CF-40AE-B4C6-C98DA3205C09}" type="datetimeFigureOut">
               <a:rPr lang="en-US" smtClean="0"/>
               <a:pPr/>
-              <a:t>9/13/24</a:t>
+              <a:t>9/14/24</a:t>
             </a:fld>
             <a:endParaRPr lang="en-US"/>
           </a:p>
@@ -11980,7 +11981,7 @@
             <a:fld id="{1D8BD707-D9CF-40AE-B4C6-C98DA3205C09}" type="datetimeFigureOut">
               <a:rPr lang="en-US" smtClean="0"/>
               <a:pPr/>
-              <a:t>9/13/24</a:t>
+              <a:t>9/14/24</a:t>
             </a:fld>
             <a:endParaRPr lang="en-US"/>
           </a:p>
@@ -12267,7 +12268,7 @@
             <a:fld id="{1D8BD707-D9CF-40AE-B4C6-C98DA3205C09}" type="datetimeFigureOut">
               <a:rPr lang="en-US" smtClean="0"/>
               <a:pPr/>
-              <a:t>9/13/24</a:t>
+              <a:t>9/14/24</a:t>
             </a:fld>
             <a:endParaRPr lang="en-US"/>
           </a:p>
@@ -12688,7 +12689,7 @@
             <a:fld id="{1D8BD707-D9CF-40AE-B4C6-C98DA3205C09}" type="datetimeFigureOut">
               <a:rPr lang="en-US" smtClean="0"/>
               <a:pPr/>
-              <a:t>9/13/24</a:t>
+              <a:t>9/14/24</a:t>
             </a:fld>
             <a:endParaRPr lang="en-US"/>
           </a:p>
@@ -12807,7 +12808,7 @@
             <a:fld id="{1D8BD707-D9CF-40AE-B4C6-C98DA3205C09}" type="datetimeFigureOut">
               <a:rPr lang="en-US" smtClean="0"/>
               <a:pPr/>
-              <a:t>9/13/24</a:t>
+              <a:t>9/14/24</a:t>
             </a:fld>
             <a:endParaRPr lang="en-US"/>
           </a:p>
@@ -12904,7 +12905,7 @@
             <a:fld id="{1D8BD707-D9CF-40AE-B4C6-C98DA3205C09}" type="datetimeFigureOut">
               <a:rPr lang="en-US" smtClean="0"/>
               <a:pPr/>
-              <a:t>9/13/24</a:t>
+              <a:t>9/14/24</a:t>
             </a:fld>
             <a:endParaRPr lang="en-US"/>
           </a:p>
@@ -13181,7 +13182,7 @@
             <a:fld id="{1D8BD707-D9CF-40AE-B4C6-C98DA3205C09}" type="datetimeFigureOut">
               <a:rPr lang="en-US" smtClean="0"/>
               <a:pPr/>
-              <a:t>9/13/24</a:t>
+              <a:t>9/14/24</a:t>
             </a:fld>
             <a:endParaRPr lang="en-US"/>
           </a:p>
@@ -13370,7 +13371,7 @@
           <a:p>
             <a:fld id="{C5227F81-A253-A34E-870A-82698615EEFE}" type="datetimeFigureOut">
               <a:rPr lang="tr-TR" smtClean="0"/>
-              <a:t>13.09.2024</a:t>
+              <a:t>14.09.2024</a:t>
             </a:fld>
             <a:endParaRPr lang="tr-TR"/>
           </a:p>
@@ -13635,7 +13636,7 @@
             <a:fld id="{1D8BD707-D9CF-40AE-B4C6-C98DA3205C09}" type="datetimeFigureOut">
               <a:rPr lang="en-US" smtClean="0"/>
               <a:pPr/>
-              <a:t>9/13/24</a:t>
+              <a:t>9/14/24</a:t>
             </a:fld>
             <a:endParaRPr lang="en-US"/>
           </a:p>
@@ -13805,7 +13806,7 @@
             <a:fld id="{1D8BD707-D9CF-40AE-B4C6-C98DA3205C09}" type="datetimeFigureOut">
               <a:rPr lang="en-US" smtClean="0"/>
               <a:pPr/>
-              <a:t>9/13/24</a:t>
+              <a:t>9/14/24</a:t>
             </a:fld>
             <a:endParaRPr lang="en-US"/>
           </a:p>
@@ -13985,7 +13986,7 @@
             <a:fld id="{1D8BD707-D9CF-40AE-B4C6-C98DA3205C09}" type="datetimeFigureOut">
               <a:rPr lang="en-US" smtClean="0"/>
               <a:pPr/>
-              <a:t>9/13/24</a:t>
+              <a:t>9/14/24</a:t>
             </a:fld>
             <a:endParaRPr lang="en-US"/>
           </a:p>
@@ -14250,7 +14251,7 @@
           <a:p>
             <a:fld id="{C5227F81-A253-A34E-870A-82698615EEFE}" type="datetimeFigureOut">
               <a:rPr lang="tr-TR" smtClean="0"/>
-              <a:t>13.09.2024</a:t>
+              <a:t>14.09.2024</a:t>
             </a:fld>
             <a:endParaRPr lang="tr-TR"/>
           </a:p>
@@ -14518,7 +14519,7 @@
           <a:p>
             <a:fld id="{C5227F81-A253-A34E-870A-82698615EEFE}" type="datetimeFigureOut">
               <a:rPr lang="tr-TR" smtClean="0"/>
-              <a:t>13.09.2024</a:t>
+              <a:t>14.09.2024</a:t>
             </a:fld>
             <a:endParaRPr lang="tr-TR"/>
           </a:p>
@@ -14933,7 +14934,7 @@
           <a:p>
             <a:fld id="{C5227F81-A253-A34E-870A-82698615EEFE}" type="datetimeFigureOut">
               <a:rPr lang="tr-TR" smtClean="0"/>
-              <a:t>13.09.2024</a:t>
+              <a:t>14.09.2024</a:t>
             </a:fld>
             <a:endParaRPr lang="tr-TR"/>
           </a:p>
@@ -15075,7 +15076,7 @@
           <a:p>
             <a:fld id="{C5227F81-A253-A34E-870A-82698615EEFE}" type="datetimeFigureOut">
               <a:rPr lang="tr-TR" smtClean="0"/>
-              <a:t>13.09.2024</a:t>
+              <a:t>14.09.2024</a:t>
             </a:fld>
             <a:endParaRPr lang="tr-TR"/>
           </a:p>
@@ -15188,7 +15189,7 @@
           <a:p>
             <a:fld id="{C5227F81-A253-A34E-870A-82698615EEFE}" type="datetimeFigureOut">
               <a:rPr lang="tr-TR" smtClean="0"/>
-              <a:t>13.09.2024</a:t>
+              <a:t>14.09.2024</a:t>
             </a:fld>
             <a:endParaRPr lang="tr-TR"/>
           </a:p>
@@ -15501,7 +15502,7 @@
           <a:p>
             <a:fld id="{C5227F81-A253-A34E-870A-82698615EEFE}" type="datetimeFigureOut">
               <a:rPr lang="tr-TR" smtClean="0"/>
-              <a:t>13.09.2024</a:t>
+              <a:t>14.09.2024</a:t>
             </a:fld>
             <a:endParaRPr lang="tr-TR"/>
           </a:p>
@@ -15790,7 +15791,7 @@
           <a:p>
             <a:fld id="{C5227F81-A253-A34E-870A-82698615EEFE}" type="datetimeFigureOut">
               <a:rPr lang="tr-TR" smtClean="0"/>
-              <a:t>13.09.2024</a:t>
+              <a:t>14.09.2024</a:t>
             </a:fld>
             <a:endParaRPr lang="tr-TR"/>
           </a:p>
@@ -16033,7 +16034,7 @@
           <a:p>
             <a:fld id="{C5227F81-A253-A34E-870A-82698615EEFE}" type="datetimeFigureOut">
               <a:rPr lang="tr-TR" smtClean="0"/>
-              <a:t>13.09.2024</a:t>
+              <a:t>14.09.2024</a:t>
             </a:fld>
             <a:endParaRPr lang="tr-TR"/>
           </a:p>
@@ -16631,7 +16632,7 @@
             <a:fld id="{1D8BD707-D9CF-40AE-B4C6-C98DA3205C09}" type="datetimeFigureOut">
               <a:rPr lang="en-US" smtClean="0"/>
               <a:pPr/>
-              <a:t>9/13/24</a:t>
+              <a:t>9/14/24</a:t>
             </a:fld>
             <a:endParaRPr lang="en-US"/>
           </a:p>
@@ -20833,6 +20834,352 @@
 </p:sld>
 </file>
 
+<file path=ppt/slides/slide18.xml><?xml version="1.0" encoding="utf-8"?>
+<p:sld xmlns:a="http://schemas.openxmlformats.org/drawingml/2006/main" xmlns:r="http://schemas.openxmlformats.org/officeDocument/2006/relationships" xmlns:p="http://schemas.openxmlformats.org/presentationml/2006/main">
+  <p:cSld>
+    <p:bg>
+      <p:bgPr>
+        <a:solidFill>
+          <a:srgbClr val="F2F4F5"/>
+        </a:solidFill>
+        <a:effectLst/>
+      </p:bgPr>
+    </p:bg>
+    <p:spTree>
+      <p:nvGrpSpPr>
+        <p:cNvPr id="1" name="">
+          <a:extLst>
+            <a:ext uri="{FF2B5EF4-FFF2-40B4-BE49-F238E27FC236}">
+              <a16:creationId xmlns:a16="http://schemas.microsoft.com/office/drawing/2014/main" id="{827B6544-ADAE-02D1-4921-9943EED5123C}"/>
+            </a:ext>
+          </a:extLst>
+        </p:cNvPr>
+        <p:cNvGrpSpPr/>
+        <p:nvPr/>
+      </p:nvGrpSpPr>
+      <p:grpSpPr>
+        <a:xfrm>
+          <a:off x="0" y="0"/>
+          <a:ext cx="0" cy="0"/>
+          <a:chOff x="0" y="0"/>
+          <a:chExt cx="0" cy="0"/>
+        </a:xfrm>
+      </p:grpSpPr>
+      <p:sp>
+        <p:nvSpPr>
+          <p:cNvPr id="3" name="Freeform 3">
+            <a:extLst>
+              <a:ext uri="{FF2B5EF4-FFF2-40B4-BE49-F238E27FC236}">
+                <a16:creationId xmlns:a16="http://schemas.microsoft.com/office/drawing/2014/main" id="{DBE5DB7E-D070-4012-3245-B9AE4288BB69}"/>
+              </a:ext>
+            </a:extLst>
+          </p:cNvPr>
+          <p:cNvSpPr/>
+          <p:nvPr/>
+        </p:nvSpPr>
+        <p:spPr>
+          <a:xfrm flipH="1">
+            <a:off x="8656983" y="4814700"/>
+            <a:ext cx="4045226" cy="5210331"/>
+          </a:xfrm>
+          <a:custGeom>
+            <a:avLst/>
+            <a:gdLst/>
+            <a:ahLst/>
+            <a:cxnLst/>
+            <a:rect l="l" t="t" r="r" b="b"/>
+            <a:pathLst>
+              <a:path w="7616557" h="7815497">
+                <a:moveTo>
+                  <a:pt x="0" y="0"/>
+                </a:moveTo>
+                <a:lnTo>
+                  <a:pt x="7616556" y="0"/>
+                </a:lnTo>
+                <a:lnTo>
+                  <a:pt x="7616556" y="7815497"/>
+                </a:lnTo>
+                <a:lnTo>
+                  <a:pt x="0" y="7815497"/>
+                </a:lnTo>
+                <a:lnTo>
+                  <a:pt x="0" y="0"/>
+                </a:lnTo>
+                <a:close/>
+              </a:path>
+            </a:pathLst>
+          </a:custGeom>
+          <a:blipFill>
+            <a:blip r:embed="rId2">
+              <a:extLst>
+                <a:ext uri="{96DAC541-7B7A-43D3-8B79-37D633B846F1}">
+                  <asvg:svgBlip xmlns:asvg="http://schemas.microsoft.com/office/drawing/2016/SVG/main" r:embed="rId3"/>
+                </a:ext>
+              </a:extLst>
+            </a:blip>
+            <a:stretch>
+              <a:fillRect/>
+            </a:stretch>
+          </a:blipFill>
+        </p:spPr>
+        <p:txBody>
+          <a:bodyPr/>
+          <a:lstStyle/>
+          <a:p>
+            <a:pPr defTabSz="609630"/>
+            <a:endParaRPr lang="tr-TR" sz="1200">
+              <a:solidFill>
+                <a:prstClr val="black"/>
+              </a:solidFill>
+              <a:latin typeface="Calibri"/>
+            </a:endParaRPr>
+          </a:p>
+        </p:txBody>
+      </p:sp>
+      <p:sp>
+        <p:nvSpPr>
+          <p:cNvPr id="4" name="Freeform 3">
+            <a:extLst>
+              <a:ext uri="{FF2B5EF4-FFF2-40B4-BE49-F238E27FC236}">
+                <a16:creationId xmlns:a16="http://schemas.microsoft.com/office/drawing/2014/main" id="{53D4F8D5-84E1-3AB4-2E71-89032D220AA5}"/>
+              </a:ext>
+            </a:extLst>
+          </p:cNvPr>
+          <p:cNvSpPr/>
+          <p:nvPr/>
+        </p:nvSpPr>
+        <p:spPr>
+          <a:xfrm>
+            <a:off x="-1700652" y="5046613"/>
+            <a:ext cx="5077705" cy="5210331"/>
+          </a:xfrm>
+          <a:custGeom>
+            <a:avLst/>
+            <a:gdLst/>
+            <a:ahLst/>
+            <a:cxnLst/>
+            <a:rect l="l" t="t" r="r" b="b"/>
+            <a:pathLst>
+              <a:path w="7616557" h="7815497">
+                <a:moveTo>
+                  <a:pt x="0" y="0"/>
+                </a:moveTo>
+                <a:lnTo>
+                  <a:pt x="7616556" y="0"/>
+                </a:lnTo>
+                <a:lnTo>
+                  <a:pt x="7616556" y="7815497"/>
+                </a:lnTo>
+                <a:lnTo>
+                  <a:pt x="0" y="7815497"/>
+                </a:lnTo>
+                <a:lnTo>
+                  <a:pt x="0" y="0"/>
+                </a:lnTo>
+                <a:close/>
+              </a:path>
+            </a:pathLst>
+          </a:custGeom>
+          <a:blipFill>
+            <a:blip r:embed="rId2">
+              <a:extLst>
+                <a:ext uri="{96DAC541-7B7A-43D3-8B79-37D633B846F1}">
+                  <asvg:svgBlip xmlns:asvg="http://schemas.microsoft.com/office/drawing/2016/SVG/main" r:embed="rId3"/>
+                </a:ext>
+              </a:extLst>
+            </a:blip>
+            <a:stretch>
+              <a:fillRect/>
+            </a:stretch>
+          </a:blipFill>
+        </p:spPr>
+        <p:txBody>
+          <a:bodyPr/>
+          <a:lstStyle/>
+          <a:p>
+            <a:pPr defTabSz="609630"/>
+            <a:endParaRPr lang="tr-TR" sz="1200">
+              <a:solidFill>
+                <a:prstClr val="black"/>
+              </a:solidFill>
+              <a:latin typeface="Calibri"/>
+            </a:endParaRPr>
+          </a:p>
+        </p:txBody>
+      </p:sp>
+      <p:sp>
+        <p:nvSpPr>
+          <p:cNvPr id="5" name="TextBox 4">
+            <a:extLst>
+              <a:ext uri="{FF2B5EF4-FFF2-40B4-BE49-F238E27FC236}">
+                <a16:creationId xmlns:a16="http://schemas.microsoft.com/office/drawing/2014/main" id="{7E36D2E8-1078-4BFB-B9AB-A3E374DE4A51}"/>
+              </a:ext>
+            </a:extLst>
+          </p:cNvPr>
+          <p:cNvSpPr txBox="1"/>
+          <p:nvPr/>
+        </p:nvSpPr>
+        <p:spPr>
+          <a:xfrm>
+            <a:off x="586273" y="737118"/>
+            <a:ext cx="6326156" cy="584775"/>
+          </a:xfrm>
+          <a:prstGeom prst="rect">
+            <a:avLst/>
+          </a:prstGeom>
+          <a:noFill/>
+        </p:spPr>
+        <p:txBody>
+          <a:bodyPr wrap="square" rtlCol="0">
+            <a:spAutoFit/>
+          </a:bodyPr>
+          <a:lstStyle/>
+          <a:p>
+            <a:r>
+              <a:rPr lang="en-US" sz="3200" dirty="0">
+                <a:latin typeface="Aptos" panose="020B0004020202020204" pitchFamily="34" charset="0"/>
+              </a:rPr>
+              <a:t>REFERENCES</a:t>
+            </a:r>
+          </a:p>
+        </p:txBody>
+      </p:sp>
+      <p:sp>
+        <p:nvSpPr>
+          <p:cNvPr id="6" name="TextBox 5">
+            <a:extLst>
+              <a:ext uri="{FF2B5EF4-FFF2-40B4-BE49-F238E27FC236}">
+                <a16:creationId xmlns:a16="http://schemas.microsoft.com/office/drawing/2014/main" id="{94AC5A50-AE9C-22FA-83FB-B268F9E333C2}"/>
+              </a:ext>
+            </a:extLst>
+          </p:cNvPr>
+          <p:cNvSpPr txBox="1"/>
+          <p:nvPr/>
+        </p:nvSpPr>
+        <p:spPr>
+          <a:xfrm>
+            <a:off x="586273" y="2043300"/>
+            <a:ext cx="11019454" cy="2739211"/>
+          </a:xfrm>
+          <a:prstGeom prst="rect">
+            <a:avLst/>
+          </a:prstGeom>
+          <a:noFill/>
+        </p:spPr>
+        <p:txBody>
+          <a:bodyPr wrap="square" rtlCol="0">
+            <a:spAutoFit/>
+          </a:bodyPr>
+          <a:lstStyle/>
+          <a:p>
+            <a:pPr marL="342900" indent="-342900">
+              <a:buFont typeface="Arial" panose="020B0604020202020204" pitchFamily="34" charset="0"/>
+              <a:buChar char="•"/>
+            </a:pPr>
+            <a:r>
+              <a:rPr lang="en-US" sz="2000" dirty="0">
+                <a:latin typeface="Aptos" panose="020B0004020202020204" pitchFamily="34" charset="0"/>
+              </a:rPr>
+              <a:t>ITU, information technologies master program,  software engineering lesson</a:t>
+            </a:r>
+          </a:p>
+          <a:p>
+            <a:pPr marL="342900" indent="-342900">
+              <a:buFont typeface="Arial" panose="020B0604020202020204" pitchFamily="34" charset="0"/>
+              <a:buChar char="•"/>
+            </a:pPr>
+            <a:r>
+              <a:rPr lang="en-US" sz="2000" dirty="0">
+                <a:latin typeface="Aptos" panose="020B0004020202020204" pitchFamily="34" charset="0"/>
+              </a:rPr>
+              <a:t>ITU, information technologies master program, software quality lesson</a:t>
+            </a:r>
+          </a:p>
+          <a:p>
+            <a:pPr marL="342900" indent="-342900">
+              <a:buFont typeface="Arial" panose="020B0604020202020204" pitchFamily="34" charset="0"/>
+              <a:buChar char="•"/>
+            </a:pPr>
+            <a:r>
+              <a:rPr lang="en-US" sz="2000" dirty="0">
+                <a:latin typeface="Aptos" panose="020B0004020202020204" pitchFamily="34" charset="0"/>
+              </a:rPr>
+              <a:t>Geeks For Geeks, software testing</a:t>
+            </a:r>
+          </a:p>
+          <a:p>
+            <a:pPr marL="342900" indent="-342900">
+              <a:buFont typeface="Arial" panose="020B0604020202020204" pitchFamily="34" charset="0"/>
+              <a:buChar char="•"/>
+            </a:pPr>
+            <a:r>
+              <a:rPr lang="en-US" sz="2000" dirty="0">
+                <a:latin typeface="Aptos" panose="020B0004020202020204" pitchFamily="34" charset="0"/>
+              </a:rPr>
+              <a:t>Spring Boot documentation</a:t>
+            </a:r>
+          </a:p>
+          <a:p>
+            <a:pPr marL="342900" indent="-342900">
+              <a:buFont typeface="Arial" panose="020B0604020202020204" pitchFamily="34" charset="0"/>
+              <a:buChar char="•"/>
+            </a:pPr>
+            <a:r>
+              <a:rPr lang="en-US" sz="2000" dirty="0">
+                <a:latin typeface="Aptos" panose="020B0004020202020204" pitchFamily="34" charset="0"/>
+                <a:hlinkClick r:id="rId4"/>
+              </a:rPr>
+              <a:t>https://mbahardogan.medium.com/unit-test-62e648255aac</a:t>
+            </a:r>
+            <a:endParaRPr lang="en-US" sz="2000" dirty="0">
+              <a:latin typeface="Aptos" panose="020B0004020202020204" pitchFamily="34" charset="0"/>
+            </a:endParaRPr>
+          </a:p>
+          <a:p>
+            <a:pPr marL="342900" indent="-342900">
+              <a:buFont typeface="Arial" panose="020B0604020202020204" pitchFamily="34" charset="0"/>
+              <a:buChar char="•"/>
+            </a:pPr>
+            <a:r>
+              <a:rPr lang="en-US" sz="2000" dirty="0">
+                <a:latin typeface="Aptos" panose="020B0004020202020204" pitchFamily="34" charset="0"/>
+                <a:hlinkClick r:id="rId5"/>
+              </a:rPr>
+              <a:t>https://serengetitech.com/tech/integration-testing-in-spring-boot-application/</a:t>
+            </a:r>
+            <a:endParaRPr lang="en-US" sz="2000" dirty="0">
+              <a:latin typeface="Aptos" panose="020B0004020202020204" pitchFamily="34" charset="0"/>
+            </a:endParaRPr>
+          </a:p>
+          <a:p>
+            <a:pPr marL="342900" indent="-342900">
+              <a:buFont typeface="Arial" panose="020B0604020202020204" pitchFamily="34" charset="0"/>
+              <a:buChar char="•"/>
+            </a:pPr>
+            <a:endParaRPr lang="en-US" sz="2000" dirty="0">
+              <a:latin typeface="Aptos" panose="020B0004020202020204" pitchFamily="34" charset="0"/>
+            </a:endParaRPr>
+          </a:p>
+          <a:p>
+            <a:endParaRPr lang="en-US" sz="3200" dirty="0">
+              <a:latin typeface="Aptos" panose="020B0004020202020204" pitchFamily="34" charset="0"/>
+            </a:endParaRPr>
+          </a:p>
+        </p:txBody>
+      </p:sp>
+    </p:spTree>
+    <p:extLst>
+      <p:ext uri="{BB962C8B-B14F-4D97-AF65-F5344CB8AC3E}">
+        <p14:creationId xmlns:p14="http://schemas.microsoft.com/office/powerpoint/2010/main" val="467538449"/>
+      </p:ext>
+    </p:extLst>
+  </p:cSld>
+  <p:clrMapOvr>
+    <a:masterClrMapping/>
+  </p:clrMapOvr>
+</p:sld>
+</file>
+
 <file path=ppt/slides/slide2.xml><?xml version="1.0" encoding="utf-8"?>
 <p:sld xmlns:a="http://schemas.openxmlformats.org/drawingml/2006/main" xmlns:r="http://schemas.openxmlformats.org/officeDocument/2006/relationships" xmlns:p="http://schemas.openxmlformats.org/presentationml/2006/main">
   <p:cSld>
@@ -21943,7 +22290,7 @@
         </p:nvSpPr>
         <p:spPr>
           <a:xfrm>
-            <a:off x="9539744" y="3388612"/>
+            <a:off x="8192538" y="4394118"/>
             <a:ext cx="857352" cy="1005506"/>
           </a:xfrm>
           <a:custGeom>
@@ -22002,7 +22349,7 @@
         </p:nvSpPr>
         <p:spPr>
           <a:xfrm>
-            <a:off x="10763579" y="3350304"/>
+            <a:off x="10707494" y="4499074"/>
             <a:ext cx="898291" cy="893066"/>
           </a:xfrm>
           <a:custGeom>
@@ -22061,7 +22408,7 @@
         </p:nvSpPr>
         <p:spPr>
           <a:xfrm>
-            <a:off x="8111733" y="4284829"/>
+            <a:off x="9390151" y="3376758"/>
             <a:ext cx="931887" cy="959738"/>
           </a:xfrm>
           <a:custGeom>
@@ -22185,8 +22532,8 @@
         </p:nvSpPr>
         <p:spPr>
           <a:xfrm>
-            <a:off x="10682069" y="4394118"/>
-            <a:ext cx="1061313" cy="941160"/>
+            <a:off x="10534361" y="3376758"/>
+            <a:ext cx="1279949" cy="993401"/>
           </a:xfrm>
           <a:custGeom>
             <a:avLst/>
@@ -22460,7 +22807,7 @@
         </p:blipFill>
         <p:spPr>
           <a:xfrm>
-            <a:off x="9198588" y="1891280"/>
+            <a:off x="10510136" y="1932829"/>
             <a:ext cx="1315014" cy="1315014"/>
           </a:xfrm>
           <a:prstGeom prst="rect">
@@ -22490,7 +22837,7 @@
         </p:blipFill>
         <p:spPr>
           <a:xfrm>
-            <a:off x="10649089" y="1939626"/>
+            <a:off x="9167293" y="1932829"/>
             <a:ext cx="1292613" cy="1292613"/>
           </a:xfrm>
           <a:prstGeom prst="rect">
